--- a/세미나/2월 3주차 (김형래).pptx
+++ b/세미나/2월 3주차 (김형래).pptx
@@ -265,7 +265,7 @@
                 <a:ea typeface="나눔스퀘어" panose="020B0600000101010101" pitchFamily="50" charset="-127"/>
               </a:rPr>
               <a:pPr/>
-              <a:t>2019-02-20</a:t>
+              <a:t>2019-02-21</a:t>
             </a:fld>
             <a:endParaRPr lang="ko-KR" altLang="en-US" dirty="0">
               <a:latin typeface="나눔스퀘어" panose="020B0600000101010101" pitchFamily="50" charset="-127"/>
@@ -864,7 +864,7 @@
           <a:p>
             <a:fld id="{F5843DA5-2861-4D49-A0BB-676E00398919}" type="datetimeFigureOut">
               <a:rPr lang="ko-KR" altLang="en-US" smtClean="0"/>
-              <a:t>2019-02-20</a:t>
+              <a:t>2019-02-21</a:t>
             </a:fld>
             <a:endParaRPr lang="ko-KR" altLang="en-US"/>
           </a:p>
@@ -1170,7 +1170,7 @@
             <a:fld id="{1A74E5E4-A585-4486-9774-7B8502B6BACE}" type="datetimeFigureOut">
               <a:rPr lang="ko-KR" altLang="en-US" smtClean="0"/>
               <a:pPr/>
-              <a:t>2019-02-20</a:t>
+              <a:t>2019-02-21</a:t>
             </a:fld>
             <a:endParaRPr lang="ko-KR" altLang="en-US" dirty="0"/>
           </a:p>
@@ -1350,7 +1350,7 @@
             <a:fld id="{1A74E5E4-A585-4486-9774-7B8502B6BACE}" type="datetimeFigureOut">
               <a:rPr lang="ko-KR" altLang="en-US" smtClean="0"/>
               <a:pPr/>
-              <a:t>2019-02-20</a:t>
+              <a:t>2019-02-21</a:t>
             </a:fld>
             <a:endParaRPr lang="ko-KR" altLang="en-US" dirty="0"/>
           </a:p>
@@ -1447,7 +1447,7 @@
             <a:fld id="{1A74E5E4-A585-4486-9774-7B8502B6BACE}" type="datetimeFigureOut">
               <a:rPr lang="ko-KR" altLang="en-US" smtClean="0"/>
               <a:pPr/>
-              <a:t>2019-02-20</a:t>
+              <a:t>2019-02-21</a:t>
             </a:fld>
             <a:endParaRPr lang="ko-KR" altLang="en-US" dirty="0"/>
           </a:p>
@@ -1721,7 +1721,7 @@
             <a:fld id="{1A74E5E4-A585-4486-9774-7B8502B6BACE}" type="datetimeFigureOut">
               <a:rPr lang="ko-KR" altLang="en-US" smtClean="0"/>
               <a:pPr/>
-              <a:t>2019-02-20</a:t>
+              <a:t>2019-02-21</a:t>
             </a:fld>
             <a:endParaRPr lang="ko-KR" altLang="en-US" dirty="0"/>
           </a:p>
@@ -2150,7 +2150,7 @@
             <a:fld id="{1A74E5E4-A585-4486-9774-7B8502B6BACE}" type="datetimeFigureOut">
               <a:rPr lang="ko-KR" altLang="en-US" smtClean="0"/>
               <a:pPr/>
-              <a:t>2019-02-20</a:t>
+              <a:t>2019-02-21</a:t>
             </a:fld>
             <a:endParaRPr lang="ko-KR" altLang="en-US" dirty="0"/>
           </a:p>
@@ -2469,7 +2469,7 @@
             <a:fld id="{1A74E5E4-A585-4486-9774-7B8502B6BACE}" type="datetimeFigureOut">
               <a:rPr lang="ko-KR" altLang="en-US" smtClean="0"/>
               <a:pPr/>
-              <a:t>2019-02-20</a:t>
+              <a:t>2019-02-21</a:t>
             </a:fld>
             <a:endParaRPr lang="ko-KR" altLang="en-US" dirty="0"/>
           </a:p>
@@ -2914,7 +2914,7 @@
             <a:fld id="{1A74E5E4-A585-4486-9774-7B8502B6BACE}" type="datetimeFigureOut">
               <a:rPr lang="ko-KR" altLang="en-US" smtClean="0"/>
               <a:pPr/>
-              <a:t>2019-02-20</a:t>
+              <a:t>2019-02-21</a:t>
             </a:fld>
             <a:endParaRPr lang="ko-KR" altLang="en-US" dirty="0"/>
           </a:p>
@@ -3352,7 +3352,7 @@
             <a:fld id="{1A74E5E4-A585-4486-9774-7B8502B6BACE}" type="datetimeFigureOut">
               <a:rPr lang="ko-KR" altLang="en-US" smtClean="0"/>
               <a:pPr/>
-              <a:t>2019-02-20</a:t>
+              <a:t>2019-02-21</a:t>
             </a:fld>
             <a:endParaRPr lang="ko-KR" altLang="en-US" dirty="0"/>
           </a:p>
@@ -3543,7 +3543,7 @@
             <a:fld id="{1A74E5E4-A585-4486-9774-7B8502B6BACE}" type="datetimeFigureOut">
               <a:rPr lang="ko-KR" altLang="en-US" smtClean="0"/>
               <a:pPr/>
-              <a:t>2019-02-20</a:t>
+              <a:t>2019-02-21</a:t>
             </a:fld>
             <a:endParaRPr lang="ko-KR" altLang="en-US" dirty="0"/>
           </a:p>
@@ -3712,7 +3712,7 @@
             <a:fld id="{1A74E5E4-A585-4486-9774-7B8502B6BACE}" type="datetimeFigureOut">
               <a:rPr lang="ko-KR" altLang="en-US" smtClean="0"/>
               <a:pPr/>
-              <a:t>2019-02-20</a:t>
+              <a:t>2019-02-21</a:t>
             </a:fld>
             <a:endParaRPr lang="ko-KR" altLang="en-US" dirty="0"/>
           </a:p>
@@ -4061,7 +4061,7 @@
             <a:fld id="{1A74E5E4-A585-4486-9774-7B8502B6BACE}" type="datetimeFigureOut">
               <a:rPr lang="ko-KR" altLang="en-US" smtClean="0"/>
               <a:pPr/>
-              <a:t>2019-02-20</a:t>
+              <a:t>2019-02-21</a:t>
             </a:fld>
             <a:endParaRPr lang="ko-KR" altLang="en-US" dirty="0"/>
           </a:p>
@@ -4387,7 +4387,7 @@
             <a:fld id="{1A74E5E4-A585-4486-9774-7B8502B6BACE}" type="datetimeFigureOut">
               <a:rPr lang="ko-KR" altLang="en-US" smtClean="0"/>
               <a:pPr/>
-              <a:t>2019-02-20</a:t>
+              <a:t>2019-02-21</a:t>
             </a:fld>
             <a:endParaRPr lang="ko-KR" altLang="en-US" dirty="0"/>
           </a:p>
@@ -4602,7 +4602,7 @@
             <a:fld id="{1A74E5E4-A585-4486-9774-7B8502B6BACE}" type="datetimeFigureOut">
               <a:rPr lang="ko-KR" altLang="en-US" smtClean="0"/>
               <a:pPr/>
-              <a:t>2019-02-20</a:t>
+              <a:t>2019-02-21</a:t>
             </a:fld>
             <a:endParaRPr lang="ko-KR" altLang="en-US" dirty="0"/>
           </a:p>
@@ -5550,7 +5550,7 @@
               <a:t>월 </a:t>
             </a:r>
             <a:r>
-              <a:rPr lang="en-US" altLang="ko-KR" sz="2400" dirty="0">
+              <a:rPr lang="en-US" altLang="ko-KR" sz="2400">
                 <a:solidFill>
                   <a:schemeClr val="tx1">
                     <a:lumMod val="65000"/>
@@ -5560,10 +5560,10 @@
                 <a:latin typeface="나눔스퀘어" panose="020B0600000101010101" pitchFamily="50" charset="-127"/>
                 <a:ea typeface="나눔스퀘어" panose="020B0600000101010101" pitchFamily="50" charset="-127"/>
               </a:rPr>
-              <a:t>4</a:t>
-            </a:r>
-            <a:r>
-              <a:rPr lang="ko-KR" altLang="en-US" sz="2400" dirty="0">
+              <a:t>3</a:t>
+            </a:r>
+            <a:r>
+              <a:rPr lang="ko-KR" altLang="en-US" sz="2400">
                 <a:solidFill>
                   <a:schemeClr val="tx1">
                     <a:lumMod val="65000"/>
@@ -7048,9 +7048,7 @@
             <a:avLst/>
           </a:prstGeom>
           <a:solidFill>
-            <a:schemeClr val="bg2">
-              <a:lumMod val="75000"/>
-            </a:schemeClr>
+            <a:schemeClr val="accent1"/>
           </a:solidFill>
           <a:ln>
             <a:noFill/>
@@ -7216,9 +7214,7 @@
             <a:avLst/>
           </a:prstGeom>
           <a:solidFill>
-            <a:schemeClr val="bg2">
-              <a:lumMod val="75000"/>
-            </a:schemeClr>
+            <a:schemeClr val="accent1"/>
           </a:solidFill>
           <a:ln>
             <a:noFill/>
@@ -7337,16 +7333,14 @@
         </p:nvSpPr>
         <p:spPr>
           <a:xfrm>
-            <a:off x="3386566" y="3979449"/>
-            <a:ext cx="2403271" cy="1165904"/>
+            <a:off x="2996260" y="3979449"/>
+            <a:ext cx="2793578" cy="1165904"/>
           </a:xfrm>
           <a:prstGeom prst="rightArrow">
             <a:avLst/>
           </a:prstGeom>
           <a:solidFill>
-            <a:schemeClr val="bg2">
-              <a:lumMod val="75000"/>
-            </a:schemeClr>
+            <a:schemeClr val="accent1"/>
           </a:solidFill>
           <a:ln>
             <a:noFill/>
@@ -7575,7 +7569,7 @@
         </p:spPr>
         <p:txBody>
           <a:bodyPr>
-            <a:normAutofit/>
+            <a:normAutofit lnSpcReduction="10000"/>
           </a:bodyPr>
           <a:lstStyle/>
           <a:p>
@@ -7604,7 +7598,7 @@
             </a:r>
             <a:r>
               <a:rPr lang="ko-KR" altLang="en-US" sz="1700" dirty="0"/>
-              <a:t>장 공부하기</a:t>
+              <a:t>장 공부</a:t>
             </a:r>
             <a:endParaRPr lang="en-US" altLang="ko-KR" sz="1700" dirty="0"/>
           </a:p>
@@ -7678,6 +7672,74 @@
             <a:r>
               <a:rPr lang="ko-KR" altLang="en-US" sz="1700" dirty="0"/>
               <a:t>서포트 벡터 머신</a:t>
+            </a:r>
+            <a:endParaRPr lang="en-US" altLang="ko-KR" sz="1700" dirty="0"/>
+          </a:p>
+          <a:p>
+            <a:pPr lvl="2"/>
+            <a:r>
+              <a:rPr lang="ko-KR" altLang="en-US" sz="1700" dirty="0"/>
+              <a:t>의사결정 트리</a:t>
+            </a:r>
+            <a:endParaRPr lang="en-US" altLang="ko-KR" sz="1700" dirty="0"/>
+          </a:p>
+          <a:p>
+            <a:pPr lvl="2"/>
+            <a:r>
+              <a:rPr lang="ko-KR" altLang="en-US" sz="1700" dirty="0"/>
+              <a:t>랜덤 </a:t>
+            </a:r>
+            <a:r>
+              <a:rPr lang="ko-KR" altLang="en-US" sz="1700" dirty="0" err="1"/>
+              <a:t>포레스트</a:t>
+            </a:r>
+            <a:endParaRPr lang="en-US" altLang="ko-KR" sz="1700" dirty="0"/>
+          </a:p>
+          <a:p>
+            <a:pPr lvl="2"/>
+            <a:r>
+              <a:rPr lang="ko-KR" altLang="en-US" sz="1700" dirty="0"/>
+              <a:t>주성분 분석</a:t>
+            </a:r>
+            <a:endParaRPr lang="en-US" altLang="ko-KR" sz="1700" dirty="0"/>
+          </a:p>
+          <a:p>
+            <a:pPr lvl="2"/>
+            <a:r>
+              <a:rPr lang="ko-KR" altLang="en-US" sz="1700" dirty="0" err="1"/>
+              <a:t>다양체</a:t>
+            </a:r>
+            <a:r>
+              <a:rPr lang="ko-KR" altLang="en-US" sz="1700" dirty="0"/>
+              <a:t> 학습</a:t>
+            </a:r>
+            <a:endParaRPr lang="en-US" altLang="ko-KR" sz="1700" dirty="0"/>
+          </a:p>
+          <a:p>
+            <a:pPr lvl="2"/>
+            <a:r>
+              <a:rPr lang="en-US" altLang="ko-KR" sz="1700" dirty="0"/>
+              <a:t>k </a:t>
+            </a:r>
+            <a:r>
+              <a:rPr lang="ko-KR" altLang="en-US" sz="1700" dirty="0"/>
+              <a:t>군집화</a:t>
+            </a:r>
+            <a:endParaRPr lang="en-US" altLang="ko-KR" sz="1700" dirty="0"/>
+          </a:p>
+          <a:p>
+            <a:pPr lvl="2"/>
+            <a:r>
+              <a:rPr lang="ko-KR" altLang="en-US" sz="1700" dirty="0"/>
+              <a:t>가우스 혼합 모델</a:t>
+            </a:r>
+            <a:endParaRPr lang="en-US" altLang="ko-KR" sz="1700" dirty="0"/>
+          </a:p>
+          <a:p>
+            <a:pPr lvl="2"/>
+            <a:r>
+              <a:rPr lang="ko-KR" altLang="en-US" sz="1700" dirty="0"/>
+              <a:t>커널 밀도 추정</a:t>
             </a:r>
             <a:endParaRPr lang="en-US" altLang="ko-KR" sz="1700" dirty="0"/>
           </a:p>
@@ -7754,12 +7816,8 @@
           <a:lstStyle/>
           <a:p>
             <a:r>
-              <a:rPr lang="ko-KR" altLang="en-US" sz="3600" dirty="0"/>
-              <a:t>이번 주 계획 </a:t>
-            </a:r>
-            <a:r>
-              <a:rPr lang="en-US" altLang="ko-KR" sz="3600" dirty="0"/>
-              <a:t>(2/21 ~ 2/28)</a:t>
+              <a:rPr lang="ko-KR" altLang="en-US" sz="3600" b="1" dirty="0"/>
+              <a:t>차후 계획</a:t>
             </a:r>
             <a:endParaRPr lang="ko-KR" altLang="en-US" b="1" dirty="0"/>
           </a:p>
@@ -7791,36 +7849,36 @@
               <a:buAutoNum type="arabicPeriod"/>
             </a:pPr>
             <a:r>
-              <a:rPr lang="ko-KR" altLang="en-US" sz="2000" b="1" dirty="0" err="1"/>
-              <a:t>딥러닝</a:t>
+              <a:rPr lang="en-US" altLang="ko-KR" sz="2000" b="1" dirty="0"/>
+              <a:t>CNN Network </a:t>
             </a:r>
             <a:r>
               <a:rPr lang="ko-KR" altLang="en-US" sz="2000" b="1" dirty="0"/>
-              <a:t> 기본 지식 복습</a:t>
+              <a:t>논문 기반 이해</a:t>
             </a:r>
             <a:endParaRPr lang="en-US" altLang="ko-KR" sz="2000" b="1" dirty="0"/>
           </a:p>
           <a:p>
             <a:pPr lvl="2"/>
             <a:r>
-              <a:rPr lang="ko-KR" altLang="en-US" sz="1700" dirty="0"/>
-              <a:t>교재 </a:t>
-            </a:r>
-            <a:r>
-              <a:rPr lang="en-US" altLang="ko-KR" sz="1700" dirty="0"/>
-              <a:t>8</a:t>
-            </a:r>
-            <a:r>
-              <a:rPr lang="ko-KR" altLang="en-US" sz="1700" dirty="0"/>
-              <a:t>장</a:t>
-            </a:r>
-            <a:r>
-              <a:rPr lang="en-US" altLang="ko-KR" sz="1700" dirty="0"/>
-              <a:t> </a:t>
-            </a:r>
-            <a:r>
-              <a:rPr lang="ko-KR" altLang="en-US" sz="1700" dirty="0"/>
-              <a:t>까지 학습</a:t>
+              <a:rPr lang="en-US" altLang="ko-KR" sz="1700" dirty="0" err="1"/>
+              <a:t>LeNet</a:t>
+            </a:r>
+            <a:endParaRPr lang="en-US" altLang="ko-KR" sz="1700" dirty="0"/>
+          </a:p>
+          <a:p>
+            <a:pPr lvl="2"/>
+            <a:r>
+              <a:rPr lang="en-US" altLang="ko-KR" sz="1700" dirty="0" err="1"/>
+              <a:t>AlexNet</a:t>
+            </a:r>
+            <a:endParaRPr lang="en-US" altLang="ko-KR" sz="1700" dirty="0"/>
+          </a:p>
+          <a:p>
+            <a:pPr lvl="2"/>
+            <a:r>
+              <a:rPr lang="en-US" altLang="ko-KR" sz="1700" dirty="0" err="1"/>
+              <a:t>VGGNet</a:t>
             </a:r>
             <a:endParaRPr lang="en-US" altLang="ko-KR" sz="1700" dirty="0"/>
           </a:p>
@@ -7837,23 +7895,89 @@
             </a:pPr>
             <a:r>
               <a:rPr lang="en-US" altLang="ko-KR" sz="2000" b="1" dirty="0"/>
-              <a:t>Python Data Science Hand Book </a:t>
+              <a:t>Machine Learning </a:t>
             </a:r>
             <a:r>
               <a:rPr lang="ko-KR" altLang="en-US" sz="2000" b="1" dirty="0"/>
-              <a:t>챕터</a:t>
-            </a:r>
+              <a:t>공부</a:t>
+            </a:r>
+            <a:endParaRPr lang="en-US" altLang="ko-KR" sz="2000" dirty="0"/>
+          </a:p>
+          <a:p>
+            <a:pPr lvl="2"/>
+            <a:r>
+              <a:rPr lang="en-US" altLang="ko-KR" sz="1700" dirty="0"/>
+              <a:t>RNN</a:t>
+            </a:r>
+            <a:r>
+              <a:rPr lang="ko-KR" altLang="en-US" sz="1700" dirty="0"/>
+              <a:t>을 중심으로</a:t>
+            </a:r>
+            <a:endParaRPr lang="en-US" altLang="ko-KR" sz="1700" dirty="0"/>
+          </a:p>
+          <a:p>
+            <a:pPr lvl="2"/>
+            <a:r>
+              <a:rPr lang="ko-KR" altLang="en-US" sz="1700" dirty="0"/>
+              <a:t>이후 </a:t>
+            </a:r>
+            <a:r>
+              <a:rPr lang="en-US" altLang="ko-KR" sz="1700" dirty="0"/>
+              <a:t>LSTM</a:t>
+            </a:r>
+            <a:r>
+              <a:rPr lang="ko-KR" altLang="en-US" sz="1700" dirty="0"/>
+              <a:t>과 </a:t>
+            </a:r>
+            <a:r>
+              <a:rPr lang="en-US" altLang="ko-KR" sz="1700" dirty="0"/>
+              <a:t>Reinforcement Learning </a:t>
+            </a:r>
+            <a:r>
+              <a:rPr lang="ko-KR" altLang="en-US" sz="1700" dirty="0"/>
+              <a:t>공부</a:t>
+            </a:r>
+            <a:endParaRPr lang="en-US" altLang="ko-KR" sz="1700" dirty="0"/>
+          </a:p>
+          <a:p>
+            <a:pPr lvl="2"/>
+            <a:r>
+              <a:rPr lang="en-US" altLang="ko-KR" sz="1700" dirty="0"/>
+              <a:t>Profit </a:t>
+            </a:r>
+            <a:r>
+              <a:rPr lang="ko-KR" altLang="en-US" sz="1700" dirty="0"/>
+              <a:t>극대화 시키는 모델 점진적 개발</a:t>
+            </a:r>
+            <a:endParaRPr lang="en-US" altLang="ko-KR" sz="1700" dirty="0"/>
+          </a:p>
+          <a:p>
+            <a:pPr lvl="2"/>
+            <a:endParaRPr lang="en-US" altLang="ko-KR" sz="1700" dirty="0"/>
+          </a:p>
+          <a:p>
+            <a:pPr marL="800100" lvl="1" indent="-457200">
+              <a:buFont typeface="Arial" panose="020B0604020202020204" pitchFamily="34" charset="0"/>
+              <a:buAutoNum type="arabicPeriod"/>
+            </a:pPr>
             <a:r>
               <a:rPr lang="en-US" altLang="ko-KR" sz="2000" b="1" dirty="0"/>
-              <a:t>5: Machine Learning</a:t>
-            </a:r>
-            <a:endParaRPr lang="en-US" altLang="ko-KR" sz="2000" dirty="0"/>
+              <a:t>Stock Prediction</a:t>
+            </a:r>
           </a:p>
           <a:p>
             <a:pPr lvl="2"/>
             <a:r>
               <a:rPr lang="ko-KR" altLang="en-US" sz="1700" dirty="0"/>
-              <a:t>의사결정 트리</a:t>
+              <a:t>증권 </a:t>
+            </a:r>
+            <a:r>
+              <a:rPr lang="en-US" altLang="ko-KR" sz="1700" dirty="0"/>
+              <a:t>API</a:t>
+            </a:r>
+            <a:r>
+              <a:rPr lang="ko-KR" altLang="en-US" sz="1700" dirty="0"/>
+              <a:t>로 유가증권시장종목 데이터셋 가져오기</a:t>
             </a:r>
             <a:endParaRPr lang="en-US" altLang="ko-KR" sz="1700" dirty="0"/>
           </a:p>
@@ -7861,64 +7985,71 @@
             <a:pPr lvl="2"/>
             <a:r>
               <a:rPr lang="ko-KR" altLang="en-US" sz="1700" dirty="0"/>
-              <a:t>랜덤 </a:t>
-            </a:r>
-            <a:r>
-              <a:rPr lang="ko-KR" altLang="en-US" sz="1700" dirty="0" err="1"/>
-              <a:t>포레스트</a:t>
+              <a:t>공부한 내용을 기반으로 여러가지 모델 개발</a:t>
             </a:r>
             <a:endParaRPr lang="en-US" altLang="ko-KR" sz="1700" dirty="0"/>
           </a:p>
           <a:p>
             <a:pPr lvl="2"/>
             <a:r>
+              <a:rPr lang="en-US" altLang="ko-KR" sz="1700" dirty="0"/>
+              <a:t>Profit </a:t>
+            </a:r>
+            <a:r>
               <a:rPr lang="ko-KR" altLang="en-US" sz="1700" dirty="0"/>
-              <a:t>주성분 분석</a:t>
+              <a:t>극대화 시키는 모델 점진적 개발</a:t>
             </a:r>
             <a:endParaRPr lang="en-US" altLang="ko-KR" sz="1700" dirty="0"/>
           </a:p>
           <a:p>
             <a:pPr lvl="2"/>
             <a:r>
-              <a:rPr lang="ko-KR" altLang="en-US" sz="1700" dirty="0" err="1"/>
-              <a:t>다양체</a:t>
-            </a:r>
-            <a:r>
               <a:rPr lang="ko-KR" altLang="en-US" sz="1700" dirty="0"/>
-              <a:t> 학습</a:t>
+              <a:t>시계열가상환경</a:t>
+            </a:r>
+            <a:r>
+              <a:rPr lang="en-US" altLang="ko-KR" sz="1700" dirty="0"/>
+              <a:t>(Random Walk) </a:t>
+            </a:r>
+            <a:r>
+              <a:rPr lang="ko-KR" altLang="en-US" sz="1700" dirty="0"/>
+              <a:t>안에서의 </a:t>
+            </a:r>
+            <a:r>
+              <a:rPr lang="en-US" altLang="ko-KR" sz="1700" dirty="0"/>
+              <a:t>Prediction </a:t>
+            </a:r>
+            <a:r>
+              <a:rPr lang="ko-KR" altLang="en-US" sz="1700" dirty="0"/>
+              <a:t>실험</a:t>
             </a:r>
             <a:endParaRPr lang="en-US" altLang="ko-KR" sz="1700" dirty="0"/>
           </a:p>
           <a:p>
-            <a:pPr lvl="2"/>
-            <a:r>
-              <a:rPr lang="en-US" altLang="ko-KR" sz="1700" dirty="0"/>
-              <a:t>k </a:t>
-            </a:r>
-            <a:r>
-              <a:rPr lang="ko-KR" altLang="en-US" sz="1700" dirty="0"/>
-              <a:t>군집화</a:t>
-            </a:r>
-            <a:endParaRPr lang="en-US" altLang="ko-KR" sz="1700" dirty="0"/>
-          </a:p>
-          <a:p>
-            <a:pPr lvl="2"/>
-            <a:r>
-              <a:rPr lang="ko-KR" altLang="en-US" sz="1700" dirty="0"/>
-              <a:t>가우스 혼합 모델</a:t>
-            </a:r>
-            <a:endParaRPr lang="en-US" altLang="ko-KR" sz="1700" dirty="0"/>
-          </a:p>
-          <a:p>
-            <a:pPr lvl="2"/>
-            <a:r>
-              <a:rPr lang="ko-KR" altLang="en-US" sz="1700" dirty="0"/>
-              <a:t>커널 밀도 추정</a:t>
-            </a:r>
-            <a:endParaRPr lang="en-US" altLang="ko-KR" sz="1700" dirty="0"/>
-          </a:p>
-          <a:p>
-            <a:pPr lvl="2"/>
+            <a:pPr marL="800100" lvl="1" indent="-457200">
+              <a:buFont typeface="Arial" panose="020B0604020202020204" pitchFamily="34" charset="0"/>
+              <a:buAutoNum type="arabicPeriod"/>
+            </a:pPr>
+            <a:endParaRPr lang="en-US" altLang="ko-KR" sz="2000" b="1" dirty="0"/>
+          </a:p>
+          <a:p>
+            <a:pPr marL="800100" lvl="1" indent="-457200">
+              <a:buFont typeface="Arial" panose="020B0604020202020204" pitchFamily="34" charset="0"/>
+              <a:buAutoNum type="arabicPeriod"/>
+            </a:pPr>
+            <a:endParaRPr lang="en-US" altLang="ko-KR" sz="2000" b="1" dirty="0"/>
+          </a:p>
+          <a:p>
+            <a:pPr marL="342900" lvl="1" indent="0">
+              <a:buNone/>
+            </a:pPr>
+            <a:endParaRPr lang="en-US" altLang="ko-KR" sz="2000" b="1" dirty="0"/>
+          </a:p>
+          <a:p>
+            <a:pPr marL="800100" lvl="1" indent="-457200">
+              <a:buFont typeface="Arial" panose="020B0604020202020204" pitchFamily="34" charset="0"/>
+              <a:buAutoNum type="arabicPeriod"/>
+            </a:pPr>
             <a:endParaRPr lang="en-US" altLang="ko-KR" sz="1700" dirty="0"/>
           </a:p>
         </p:txBody>
